--- a/source_2021/2_day_stat_regression/source/기초통계 - 사분위수, 이상치.pptx
+++ b/source_2021/2_day_stat_regression/source/기초통계 - 사분위수, 이상치.pptx
@@ -351,7 +351,7 @@
               <a:pPr>
                 <a:defRPr/>
               </a:pPr>
-              <a:t>2022. 2. 1.</a:t>
+              <a:t>2022. 2. 5.</a:t>
             </a:fld>
             <a:endParaRPr lang="ko-KR" altLang="en-US"/>
           </a:p>
@@ -3412,7 +3412,7 @@
                 <a:latin typeface="Gothic A1 SemiBold"/>
                 <a:sym typeface="Helvetica Neue"/>
               </a:rPr>
-              <a:t> - </a:t>
+              <a:t> – </a:t>
             </a:r>
             <a:r>
               <a:rPr kumimoji="0" lang="ko-KR" altLang="en-US" sz="3900" spc="-122" dirty="0" err="1">
@@ -3429,22 +3429,42 @@
                 <a:latin typeface="Gothic A1 SemiBold"/>
                 <a:sym typeface="Helvetica Neue"/>
               </a:rPr>
-              <a:t>변동계수</a:t>
-            </a:r>
-            <a:endParaRPr kumimoji="0" lang="ko-KR" altLang="en-US" sz="3900" spc="-122" dirty="0">
-              <a:ln w="5080">
+              <a:t>사분위수</a:t>
+            </a:r>
+            <a:r>
+              <a:rPr kumimoji="0" lang="en-US" altLang="ko-KR" sz="3900" spc="-122" dirty="0">
+                <a:ln w="5080">
+                  <a:solidFill>
+                    <a:prstClr val="white">
+                      <a:alpha val="40000"/>
+                    </a:prstClr>
+                  </a:solidFill>
+                </a:ln>
                 <a:solidFill>
-                  <a:prstClr val="white">
-                    <a:alpha val="40000"/>
-                  </a:prstClr>
+                  <a:prstClr val="white"/>
                 </a:solidFill>
-              </a:ln>
-              <a:solidFill>
-                <a:prstClr val="white"/>
-              </a:solidFill>
-              <a:latin typeface="Gothic A1 SemiBold"/>
-              <a:sym typeface="Helvetica Neue"/>
-            </a:endParaRPr>
+                <a:latin typeface="Gothic A1 SemiBold"/>
+                <a:sym typeface="Helvetica Neue"/>
+              </a:rPr>
+              <a:t>,</a:t>
+            </a:r>
+            <a:r>
+              <a:rPr kumimoji="0" lang="ko-KR" altLang="en-US" sz="3900" spc="-122" dirty="0">
+                <a:ln w="5080">
+                  <a:solidFill>
+                    <a:prstClr val="white">
+                      <a:alpha val="40000"/>
+                    </a:prstClr>
+                  </a:solidFill>
+                </a:ln>
+                <a:solidFill>
+                  <a:prstClr val="white"/>
+                </a:solidFill>
+                <a:latin typeface="Gothic A1 SemiBold"/>
+                <a:sym typeface="Helvetica Neue"/>
+              </a:rPr>
+              <a:t> 이상치</a:t>
+            </a:r>
           </a:p>
         </p:txBody>
       </p:sp>
@@ -4244,8 +4264,8 @@
           </a:p>
         </p:txBody>
       </p:sp>
-      <mc:AlternateContent xmlns:mc="http://schemas.openxmlformats.org/markup-compatibility/2006">
-        <mc:Choice xmlns:a14="http://schemas.microsoft.com/office/drawing/2010/main" Requires="a14">
+      <mc:AlternateContent xmlns:mc="http://schemas.openxmlformats.org/markup-compatibility/2006" xmlns:a14="http://schemas.microsoft.com/office/drawing/2010/main">
+        <mc:Choice Requires="a14">
           <p:sp>
             <p:nvSpPr>
               <p:cNvPr id="2" name="TextBox 1">
@@ -4382,7 +4402,7 @@
             </p:txBody>
           </p:sp>
         </mc:Choice>
-        <mc:Fallback>
+        <mc:Fallback xmlns="">
           <p:sp>
             <p:nvSpPr>
               <p:cNvPr id="2" name="TextBox 1">
@@ -4427,8 +4447,8 @@
           </p:sp>
         </mc:Fallback>
       </mc:AlternateContent>
-      <mc:AlternateContent xmlns:mc="http://schemas.openxmlformats.org/markup-compatibility/2006">
-        <mc:Choice xmlns:a14="http://schemas.microsoft.com/office/drawing/2010/main" Requires="a14">
+      <mc:AlternateContent xmlns:mc="http://schemas.openxmlformats.org/markup-compatibility/2006" xmlns:a14="http://schemas.microsoft.com/office/drawing/2010/main">
+        <mc:Choice Requires="a14">
           <p:sp>
             <p:nvSpPr>
               <p:cNvPr id="16" name="TextBox 15">
@@ -4565,7 +4585,7 @@
             </p:txBody>
           </p:sp>
         </mc:Choice>
-        <mc:Fallback>
+        <mc:Fallback xmlns="">
           <p:sp>
             <p:nvSpPr>
               <p:cNvPr id="16" name="TextBox 15">
